--- a/big-data/lecture09.pptx
+++ b/big-data/lecture09.pptx
@@ -3281,13 +3281,8 @@
             <a:pPr algn="ctr"/>
             <a:r>
               <a:rPr lang="en-US" sz="4800" b="1" dirty="0" smtClean="0"/>
-              <a:t>Lecture </a:t>
+              <a:t>Lecture 9: </a:t>
             </a:r>
-            <a:r>
-              <a:rPr lang="en-US" sz="4800" b="1" dirty="0" smtClean="0"/>
-              <a:t>9: </a:t>
-            </a:r>
-            <a:endParaRPr lang="en-US" sz="4800" b="1" dirty="0" smtClean="0"/>
           </a:p>
           <a:p>
             <a:pPr algn="ctr"/>
@@ -3404,8 +3399,8 @@
           </a:p>
         </p:txBody>
       </p:sp>
-      <mc:AlternateContent xmlns:mc="http://schemas.openxmlformats.org/markup-compatibility/2006">
-        <mc:Choice xmlns:a14="http://schemas.microsoft.com/office/drawing/2010/main" Requires="a14">
+      <mc:AlternateContent xmlns:mc="http://schemas.openxmlformats.org/markup-compatibility/2006" xmlns:a14="http://schemas.microsoft.com/office/drawing/2010/main">
+        <mc:Choice Requires="a14">
           <p:sp>
             <p:nvSpPr>
               <p:cNvPr id="3" name="Content Placeholder 2"/>
@@ -3474,7 +3469,13 @@
                           <a:rPr lang="en-US" b="0" i="1" smtClean="0">
                             <a:latin typeface="Cambria Math"/>
                           </a:rPr>
-                          <m:t>+1</m:t>
+                          <m:t>+</m:t>
+                        </m:r>
+                        <m:r>
+                          <a:rPr lang="en-US" b="0" i="1" smtClean="0">
+                            <a:latin typeface="Cambria Math"/>
+                          </a:rPr>
+                          <m:t>1</m:t>
                         </m:r>
                       </m:sub>
                     </m:sSub>
@@ -3638,7 +3639,7 @@
                       <a:rPr lang="en-US" b="0" i="0" smtClean="0">
                         <a:latin typeface="Cambria Math"/>
                       </a:rPr>
-                      <m:t>∇</m:t>
+                      <m:t>𝛻</m:t>
                     </m:r>
                     <m:r>
                       <a:rPr lang="en-US" b="0" i="1" smtClean="0">
@@ -3923,7 +3924,13 @@
                           <a:rPr lang="en-US" b="0" i="1" smtClean="0">
                             <a:latin typeface="Cambria Math"/>
                           </a:rPr>
-                          <m:t>≠0</m:t>
+                          <m:t>≠</m:t>
+                        </m:r>
+                        <m:r>
+                          <a:rPr lang="en-US" b="0" i="1" smtClean="0">
+                            <a:latin typeface="Cambria Math"/>
+                          </a:rPr>
+                          <m:t>0</m:t>
                         </m:r>
                       </m:e>
                     </m:d>
@@ -4293,7 +4300,7 @@
             </p:txBody>
           </p:sp>
         </mc:Choice>
-        <mc:Fallback>
+        <mc:Fallback xmlns="">
           <p:sp>
             <p:nvSpPr>
               <p:cNvPr id="3" name="Content Placeholder 2"/>
@@ -4675,8 +4682,8 @@
           </a:p>
         </p:txBody>
       </p:sp>
-      <mc:AlternateContent xmlns:mc="http://schemas.openxmlformats.org/markup-compatibility/2006">
-        <mc:Choice xmlns:a14="http://schemas.microsoft.com/office/drawing/2010/main" Requires="a14">
+      <mc:AlternateContent xmlns:mc="http://schemas.openxmlformats.org/markup-compatibility/2006" xmlns:a14="http://schemas.microsoft.com/office/drawing/2010/main">
+        <mc:Choice Requires="a14">
           <p:sp>
             <p:nvSpPr>
               <p:cNvPr id="3" name="Content Placeholder 2"/>
@@ -5339,7 +5346,6 @@
                   <a:rPr lang="en-US" dirty="0" smtClean="0"/>
                   <a:t>:</a:t>
                 </a:r>
-                <a:endParaRPr lang="en-US" dirty="0" smtClean="0"/>
               </a:p>
               <a:p>
                 <a:pPr marL="0" indent="0">
@@ -7080,7 +7086,7 @@
             </p:txBody>
           </p:sp>
         </mc:Choice>
-        <mc:Fallback>
+        <mc:Fallback xmlns="">
           <p:sp>
             <p:nvSpPr>
               <p:cNvPr id="3" name="Content Placeholder 2"/>
@@ -7800,8 +7806,8 @@
           </a:p>
         </p:txBody>
       </p:sp>
-      <mc:AlternateContent xmlns:mc="http://schemas.openxmlformats.org/markup-compatibility/2006">
-        <mc:Choice xmlns:a14="http://schemas.microsoft.com/office/drawing/2010/main" Requires="a14">
+      <mc:AlternateContent xmlns:mc="http://schemas.openxmlformats.org/markup-compatibility/2006" xmlns:a14="http://schemas.microsoft.com/office/drawing/2010/main">
+        <mc:Choice Requires="a14">
           <p:sp>
             <p:nvSpPr>
               <p:cNvPr id="3" name="Content Placeholder 2"/>
@@ -8060,7 +8066,31 @@
                       <a:rPr lang="en-US" b="0" i="1" smtClean="0">
                         <a:latin typeface="Cambria Math"/>
                       </a:rPr>
-                      <m:t>(0,1)</m:t>
+                      <m:t>(</m:t>
+                    </m:r>
+                    <m:r>
+                      <a:rPr lang="en-US" b="0" i="1" smtClean="0">
+                        <a:latin typeface="Cambria Math"/>
+                      </a:rPr>
+                      <m:t>0</m:t>
+                    </m:r>
+                    <m:r>
+                      <a:rPr lang="en-US" b="0" i="1" smtClean="0">
+                        <a:latin typeface="Cambria Math"/>
+                      </a:rPr>
+                      <m:t>,</m:t>
+                    </m:r>
+                    <m:r>
+                      <a:rPr lang="en-US" b="0" i="1" smtClean="0">
+                        <a:latin typeface="Cambria Math"/>
+                      </a:rPr>
+                      <m:t>1</m:t>
+                    </m:r>
+                    <m:r>
+                      <a:rPr lang="en-US" b="0" i="1" smtClean="0">
+                        <a:latin typeface="Cambria Math"/>
+                      </a:rPr>
+                      <m:t>)</m:t>
                     </m:r>
                   </m:oMath>
                 </a14:m>
@@ -8078,7 +8108,7 @@
             </p:txBody>
           </p:sp>
         </mc:Choice>
-        <mc:Fallback>
+        <mc:Fallback xmlns="">
           <p:sp>
             <p:nvSpPr>
               <p:cNvPr id="3" name="Content Placeholder 2"/>
@@ -8402,8 +8432,8 @@
           </a:p>
         </p:txBody>
       </p:sp>
-      <mc:AlternateContent xmlns:mc="http://schemas.openxmlformats.org/markup-compatibility/2006">
-        <mc:Choice xmlns:a14="http://schemas.microsoft.com/office/drawing/2010/main" Requires="a14">
+      <mc:AlternateContent xmlns:mc="http://schemas.openxmlformats.org/markup-compatibility/2006" xmlns:a14="http://schemas.microsoft.com/office/drawing/2010/main">
+        <mc:Choice Requires="a14">
           <p:sp>
             <p:nvSpPr>
               <p:cNvPr id="3" name="Content Placeholder 2"/>
@@ -9167,7 +9197,7 @@
             </p:txBody>
           </p:sp>
         </mc:Choice>
-        <mc:Fallback>
+        <mc:Fallback xmlns="">
           <p:sp>
             <p:nvSpPr>
               <p:cNvPr id="3" name="Content Placeholder 2"/>
@@ -9740,8 +9770,8 @@
           </a:p>
         </p:txBody>
       </p:sp>
-      <mc:AlternateContent xmlns:mc="http://schemas.openxmlformats.org/markup-compatibility/2006">
-        <mc:Choice xmlns:a14="http://schemas.microsoft.com/office/drawing/2010/main" Requires="a14">
+      <mc:AlternateContent xmlns:mc="http://schemas.openxmlformats.org/markup-compatibility/2006" xmlns:a14="http://schemas.microsoft.com/office/drawing/2010/main">
+        <mc:Choice Requires="a14">
           <p:sp>
             <p:nvSpPr>
               <p:cNvPr id="3" name="Content Placeholder 2"/>
@@ -9945,7 +9975,7 @@
                       <a:rPr lang="en-US" b="0" i="0" smtClean="0">
                         <a:latin typeface="Cambria Math"/>
                       </a:rPr>
-                      <m:t>∇</m:t>
+                      <m:t>𝛻</m:t>
                     </m:r>
                     <m:r>
                       <m:rPr>
@@ -10212,7 +10242,7 @@
                                 <a:rPr lang="en-US" b="0" i="0" smtClean="0">
                                   <a:latin typeface="Cambria Math"/>
                                 </a:rPr>
-                                <m:t>∇</m:t>
+                                <m:t>𝛻</m:t>
                               </m:r>
                               <m:r>
                                 <a:rPr lang="en-US" b="0" i="1" smtClean="0">
@@ -10660,13 +10690,7 @@
                       <a:rPr lang="en-US" b="0" i="1" smtClean="0">
                         <a:latin typeface="Cambria Math"/>
                       </a:rPr>
-                      <m:t>=</m:t>
-                    </m:r>
-                    <m:r>
-                      <a:rPr lang="en-US" b="0" i="1" smtClean="0">
-                        <a:latin typeface="Cambria Math"/>
-                      </a:rPr>
-                      <m:t>0</m:t>
+                      <m:t>=0</m:t>
                     </m:r>
                   </m:oMath>
                 </a14:m>
@@ -10750,7 +10774,7 @@
                           <a:rPr lang="en-US" b="0" i="0" smtClean="0">
                             <a:latin typeface="Cambria Math"/>
                           </a:rPr>
-                          <m:t>∇</m:t>
+                          <m:t>𝛻</m:t>
                         </m:r>
                       </m:e>
                       <m:sup>
@@ -10824,7 +10848,7 @@
                       <a:rPr lang="en-US" b="0" i="0" smtClean="0">
                         <a:latin typeface="Cambria Math"/>
                       </a:rPr>
-                      <m:t>∇</m:t>
+                      <m:t>𝛻</m:t>
                     </m:r>
                     <m:r>
                       <a:rPr lang="en-US" b="0" i="1" smtClean="0">
@@ -10884,7 +10908,7 @@
                           <a:rPr lang="en-US" b="0" i="0" smtClean="0">
                             <a:latin typeface="Cambria Math"/>
                           </a:rPr>
-                          <m:t>∇</m:t>
+                          <m:t>𝛻</m:t>
                         </m:r>
                       </m:e>
                       <m:sup>
@@ -10930,13 +10954,7 @@
                           <a:rPr lang="en-US" b="0" i="1" smtClean="0">
                             <a:latin typeface="Cambria Math"/>
                           </a:rPr>
-                          <m:t>𝑤</m:t>
-                        </m:r>
-                        <m:r>
-                          <a:rPr lang="en-US" b="0" i="1" smtClean="0">
-                            <a:latin typeface="Cambria Math"/>
-                          </a:rPr>
-                          <m:t>𝐴</m:t>
+                          <m:t>𝑤𝐴</m:t>
                         </m:r>
                         <m:r>
                           <m:rPr>
@@ -10969,7 +10987,7 @@
             </p:txBody>
           </p:sp>
         </mc:Choice>
-        <mc:Fallback>
+        <mc:Fallback xmlns="">
           <p:sp>
             <p:nvSpPr>
               <p:cNvPr id="3" name="Content Placeholder 2"/>
@@ -11568,8 +11586,8 @@
           </a:p>
         </p:txBody>
       </p:sp>
-      <mc:AlternateContent xmlns:mc="http://schemas.openxmlformats.org/markup-compatibility/2006">
-        <mc:Choice xmlns:a14="http://schemas.microsoft.com/office/drawing/2010/main" Requires="a14">
+      <mc:AlternateContent xmlns:mc="http://schemas.openxmlformats.org/markup-compatibility/2006" xmlns:a14="http://schemas.microsoft.com/office/drawing/2010/main">
+        <mc:Choice Requires="a14">
           <p:sp>
             <p:nvSpPr>
               <p:cNvPr id="3" name="Content Placeholder 2"/>
@@ -11668,7 +11686,7 @@
                       <a:rPr lang="en-US" b="0" i="0" smtClean="0">
                         <a:latin typeface="Cambria Math"/>
                       </a:rPr>
-                      <m:t>∇</m:t>
+                      <m:t>𝛻</m:t>
                     </m:r>
                   </m:oMath>
                 </a14:m>
@@ -11745,7 +11763,7 @@
                       <a:rPr lang="en-US" b="0" i="0" smtClean="0">
                         <a:latin typeface="Cambria Math"/>
                       </a:rPr>
-                      <m:t>∇</m:t>
+                      <m:t>𝛻</m:t>
                     </m:r>
                     <m:r>
                       <a:rPr lang="en-US" b="0" i="1" smtClean="0">
@@ -12249,7 +12267,7 @@
                           <a:rPr lang="en-US" b="0" i="0" smtClean="0">
                             <a:latin typeface="Cambria Math"/>
                           </a:rPr>
-                          <m:t>∇</m:t>
+                          <m:t>𝛻</m:t>
                         </m:r>
                       </m:e>
                       <m:sup>
@@ -12485,7 +12503,7 @@
                             <a:rPr lang="en-US" b="0" i="0" smtClean="0">
                               <a:latin typeface="Cambria Math"/>
                             </a:rPr>
-                            <m:t>∇</m:t>
+                            <m:t>𝛻</m:t>
                           </m:r>
                         </m:e>
                         <m:sup>
@@ -12587,7 +12605,7 @@
             </p:txBody>
           </p:sp>
         </mc:Choice>
-        <mc:Fallback>
+        <mc:Fallback xmlns="">
           <p:sp>
             <p:nvSpPr>
               <p:cNvPr id="3" name="Content Placeholder 2"/>
@@ -13005,8 +13023,8 @@
           </a:p>
         </p:txBody>
       </p:sp>
-      <mc:AlternateContent xmlns:mc="http://schemas.openxmlformats.org/markup-compatibility/2006">
-        <mc:Choice xmlns:a14="http://schemas.microsoft.com/office/drawing/2010/main" Requires="a14">
+      <mc:AlternateContent xmlns:mc="http://schemas.openxmlformats.org/markup-compatibility/2006" xmlns:a14="http://schemas.microsoft.com/office/drawing/2010/main">
+        <mc:Choice Requires="a14">
           <p:sp>
             <p:nvSpPr>
               <p:cNvPr id="3" name="Content Placeholder 2"/>
@@ -13086,7 +13104,7 @@
                       <a:rPr lang="en-US" b="0" i="0" smtClean="0">
                         <a:latin typeface="Cambria Math"/>
                       </a:rPr>
-                      <m:t>∇</m:t>
+                      <m:t>𝛻</m:t>
                     </m:r>
                   </m:oMath>
                 </a14:m>
@@ -13625,7 +13643,7 @@
                             <a:rPr lang="en-US" b="0" i="0" smtClean="0">
                               <a:latin typeface="Cambria Math"/>
                             </a:rPr>
-                            <m:t>∇</m:t>
+                            <m:t>𝛻</m:t>
                           </m:r>
                         </m:e>
                         <m:sup>
@@ -13850,7 +13868,7 @@
                             <a:rPr lang="en-US" b="0" i="0" smtClean="0">
                               <a:latin typeface="Cambria Math"/>
                             </a:rPr>
-                            <m:t>∇</m:t>
+                            <m:t>𝛻</m:t>
                           </m:r>
                         </m:e>
                         <m:sup>
@@ -13950,7 +13968,7 @@
                       <m:sSup>
                         <m:sSupPr>
                           <m:ctrlPr>
-                            <a:rPr lang="en-US" b="0" i="0" smtClean="0">
+                            <a:rPr lang="en-US" b="0" i="1" smtClean="0">
                               <a:latin typeface="Cambria Math"/>
                             </a:rPr>
                           </m:ctrlPr>
@@ -13960,7 +13978,7 @@
                             <a:rPr lang="en-US" b="0" i="0" smtClean="0">
                               <a:latin typeface="Cambria Math"/>
                             </a:rPr>
-                            <m:t>∇</m:t>
+                            <m:t>𝛻</m:t>
                           </m:r>
                         </m:e>
                         <m:sup>
@@ -14535,7 +14553,7 @@
                     <m:sSub>
                       <m:sSubPr>
                         <m:ctrlPr>
-                          <a:rPr lang="en-US" b="0" i="0" smtClean="0">
+                          <a:rPr lang="en-US" b="0" i="1" smtClean="0">
                             <a:latin typeface="Cambria Math"/>
                           </a:rPr>
                         </m:ctrlPr>
@@ -14544,7 +14562,7 @@
                         <m:d>
                           <m:dPr>
                             <m:ctrlPr>
-                              <a:rPr lang="en-US" b="0" i="0" smtClean="0">
+                              <a:rPr lang="en-US" b="0" i="1" smtClean="0">
                                 <a:latin typeface="Cambria Math"/>
                               </a:rPr>
                             </m:ctrlPr>
@@ -14554,7 +14572,7 @@
                               <a:rPr lang="en-US" b="0" i="0" smtClean="0">
                                 <a:latin typeface="Cambria Math"/>
                               </a:rPr>
-                              <m:t>∇</m:t>
+                              <m:t>𝛻</m:t>
                             </m:r>
                           </m:e>
                         </m:d>
@@ -14589,7 +14607,7 @@
                     <m:sSub>
                       <m:sSubPr>
                         <m:ctrlPr>
-                          <a:rPr lang="en-US" b="0" i="0" smtClean="0">
+                          <a:rPr lang="en-US" b="0" i="1" smtClean="0">
                             <a:latin typeface="Cambria Math"/>
                           </a:rPr>
                         </m:ctrlPr>
@@ -14598,7 +14616,7 @@
                         <m:d>
                           <m:dPr>
                             <m:ctrlPr>
-                              <a:rPr lang="en-US" b="0" i="0" smtClean="0">
+                              <a:rPr lang="en-US" b="0" i="1" smtClean="0">
                                 <a:latin typeface="Cambria Math"/>
                               </a:rPr>
                             </m:ctrlPr>
@@ -14607,7 +14625,7 @@
                             <m:sSub>
                               <m:sSubPr>
                                 <m:ctrlPr>
-                                  <a:rPr lang="en-US" b="0" i="0" smtClean="0">
+                                  <a:rPr lang="en-US" b="0" i="1" smtClean="0">
                                     <a:latin typeface="Cambria Math"/>
                                   </a:rPr>
                                 </m:ctrlPr>
@@ -14967,7 +14985,7 @@
             </p:txBody>
           </p:sp>
         </mc:Choice>
-        <mc:Fallback>
+        <mc:Fallback xmlns="">
           <p:sp>
             <p:nvSpPr>
               <p:cNvPr id="3" name="Content Placeholder 2"/>
@@ -15654,8 +15672,8 @@
           </a:p>
         </p:txBody>
       </p:sp>
-      <mc:AlternateContent xmlns:mc="http://schemas.openxmlformats.org/markup-compatibility/2006">
-        <mc:Choice xmlns:a14="http://schemas.microsoft.com/office/drawing/2010/main" Requires="a14">
+      <mc:AlternateContent xmlns:mc="http://schemas.openxmlformats.org/markup-compatibility/2006" xmlns:a14="http://schemas.microsoft.com/office/drawing/2010/main">
+        <mc:Choice Requires="a14">
           <p:sp>
             <p:nvSpPr>
               <p:cNvPr id="3" name="Content Placeholder 2"/>
@@ -17019,7 +17037,7 @@
             </p:txBody>
           </p:sp>
         </mc:Choice>
-        <mc:Fallback>
+        <mc:Fallback xmlns="">
           <p:sp>
             <p:nvSpPr>
               <p:cNvPr id="3" name="Content Placeholder 2"/>
@@ -17563,8 +17581,8 @@
           </a:p>
         </p:txBody>
       </p:sp>
-      <mc:AlternateContent xmlns:mc="http://schemas.openxmlformats.org/markup-compatibility/2006">
-        <mc:Choice xmlns:a14="http://schemas.microsoft.com/office/drawing/2010/main" Requires="a14">
+      <mc:AlternateContent xmlns:mc="http://schemas.openxmlformats.org/markup-compatibility/2006" xmlns:a14="http://schemas.microsoft.com/office/drawing/2010/main">
+        <mc:Choice Requires="a14">
           <p:sp>
             <p:nvSpPr>
               <p:cNvPr id="3" name="Content Placeholder 2"/>
@@ -17589,11 +17607,7 @@
               <a:p>
                 <a:r>
                   <a:rPr lang="en-US" b="1" dirty="0" smtClean="0"/>
-                  <a:t>Lem</a:t>
-                </a:r>
-                <a:r>
-                  <a:rPr lang="en-US" b="1" dirty="0" smtClean="0"/>
-                  <a:t>: </a:t>
+                  <a:t>Lem: </a:t>
                 </a:r>
                 <a:r>
                   <a:rPr lang="en-US" dirty="0" smtClean="0"/>
@@ -18129,13 +18143,7 @@
                         <a:rPr lang="en-US" b="0" i="1" smtClean="0">
                           <a:latin typeface="Cambria Math"/>
                         </a:rPr>
-                        <m:t>≤</m:t>
-                      </m:r>
-                      <m:r>
-                        <a:rPr lang="en-US" b="0" i="1" smtClean="0">
-                          <a:latin typeface="Cambria Math"/>
-                        </a:rPr>
-                        <m:t>3/2</m:t>
+                        <m:t>≤3/2</m:t>
                       </m:r>
                       <m:d>
                         <m:dPr>
@@ -19020,13 +19028,7 @@
                             <a:rPr lang="en-US" b="0" i="1" smtClean="0">
                               <a:latin typeface="Cambria Math"/>
                             </a:rPr>
-                            <m:t>1</m:t>
-                          </m:r>
-                          <m:r>
-                            <a:rPr lang="en-US" b="0" i="1" smtClean="0">
-                              <a:latin typeface="Cambria Math"/>
-                            </a:rPr>
-                            <m:t>+</m:t>
+                            <m:t>1+</m:t>
                           </m:r>
                           <m:d>
                             <m:dPr>
@@ -19426,13 +19428,7 @@
                                   <a:rPr lang="en-US" b="0" i="1" smtClean="0">
                                     <a:latin typeface="Cambria Math"/>
                                   </a:rPr>
-                                  <m:t>𝐴</m:t>
-                                </m:r>
-                                <m:r>
-                                  <a:rPr lang="en-US" b="0" i="1" smtClean="0">
-                                    <a:latin typeface="Cambria Math"/>
-                                  </a:rPr>
-                                  <m:t>𝑦</m:t>
+                                  <m:t>𝐴𝑦</m:t>
                                 </m:r>
                               </m:e>
                             </m:d>
@@ -19514,7 +19510,7 @@
             </p:txBody>
           </p:sp>
         </mc:Choice>
-        <mc:Fallback>
+        <mc:Fallback xmlns="">
           <p:sp>
             <p:nvSpPr>
               <p:cNvPr id="3" name="Content Placeholder 2"/>
@@ -20045,8 +20041,8 @@
           </a:p>
         </p:txBody>
       </p:sp>
-      <mc:AlternateContent xmlns:mc="http://schemas.openxmlformats.org/markup-compatibility/2006">
-        <mc:Choice xmlns:a14="http://schemas.microsoft.com/office/drawing/2010/main" Requires="a14">
+      <mc:AlternateContent xmlns:mc="http://schemas.openxmlformats.org/markup-compatibility/2006" xmlns:a14="http://schemas.microsoft.com/office/drawing/2010/main">
+        <mc:Choice Requires="a14">
           <p:sp>
             <p:nvSpPr>
               <p:cNvPr id="3" name="Content Placeholder 2"/>
@@ -20669,13 +20665,7 @@
                       <a:rPr lang="en-US" b="0" i="1" smtClean="0">
                         <a:latin typeface="Cambria Math"/>
                       </a:rPr>
-                      <m:t>≤</m:t>
-                    </m:r>
-                    <m:r>
-                      <a:rPr lang="en-US" b="0" i="1" smtClean="0">
-                        <a:latin typeface="Cambria Math"/>
-                      </a:rPr>
-                      <m:t>2</m:t>
+                      <m:t>≤2</m:t>
                     </m:r>
                     <m:d>
                       <m:dPr>
@@ -20690,13 +20680,7 @@
                           <a:rPr lang="en-US" b="0" i="1" smtClean="0">
                             <a:latin typeface="Cambria Math"/>
                           </a:rPr>
-                          <m:t>1</m:t>
-                        </m:r>
-                        <m:r>
-                          <a:rPr lang="en-US" b="0" i="1" smtClean="0">
-                            <a:latin typeface="Cambria Math"/>
-                          </a:rPr>
-                          <m:t>+</m:t>
+                          <m:t>1+</m:t>
                         </m:r>
                         <m:d>
                           <m:dPr>
@@ -20832,13 +20816,7 @@
                           <a:rPr lang="en-US" b="0" i="1" smtClean="0">
                             <a:latin typeface="Cambria Math"/>
                           </a:rPr>
-                          <m:t>1</m:t>
-                        </m:r>
-                        <m:r>
-                          <a:rPr lang="en-US" b="0" i="1" smtClean="0">
-                            <a:latin typeface="Cambria Math"/>
-                          </a:rPr>
-                          <m:t> −</m:t>
+                          <m:t>1 −</m:t>
                         </m:r>
                         <m:sSub>
                           <m:sSubPr>
@@ -20905,13 +20883,7 @@
                           <a:rPr lang="en-US" b="0" i="1" smtClean="0">
                             <a:latin typeface="Cambria Math"/>
                           </a:rPr>
-                          <m:t>1</m:t>
-                        </m:r>
-                        <m:r>
-                          <a:rPr lang="en-US" b="0" i="1" smtClean="0">
-                            <a:latin typeface="Cambria Math"/>
-                          </a:rPr>
-                          <m:t> −</m:t>
+                          <m:t>1 −</m:t>
                         </m:r>
                         <m:sSub>
                           <m:sSubPr>
@@ -20963,19 +20935,7 @@
                       <a:rPr lang="en-US" b="0" i="1" smtClean="0">
                         <a:latin typeface="Cambria Math"/>
                       </a:rPr>
-                      <m:t>=</m:t>
-                    </m:r>
-                    <m:r>
-                      <a:rPr lang="en-US" b="0" i="1" smtClean="0">
-                        <a:latin typeface="Cambria Math"/>
-                      </a:rPr>
-                      <m:t>3</m:t>
-                    </m:r>
-                    <m:r>
-                      <a:rPr lang="en-US" b="0" i="1" smtClean="0">
-                        <a:latin typeface="Cambria Math"/>
-                      </a:rPr>
-                      <m:t>(</m:t>
+                      <m:t>=3(</m:t>
                     </m:r>
                     <m:sSub>
                       <m:sSubPr>
@@ -21354,7 +21314,7 @@
             </p:txBody>
           </p:sp>
         </mc:Choice>
-        <mc:Fallback>
+        <mc:Fallback xmlns="">
           <p:sp>
             <p:nvSpPr>
               <p:cNvPr id="3" name="Content Placeholder 2"/>
